--- a/Présentation.pptx
+++ b/Présentation.pptx
@@ -104,6 +104,11 @@
       </a:defRPr>
     </a:lvl9pPr>
   </p:defaultTextStyle>
+  <p:extLst>
+    <p:ext uri="{EFAFB233-063F-42B5-8137-9DF3F51BA10A}">
+      <p15:sldGuideLst xmlns:p15="http://schemas.microsoft.com/office/powerpoint/2012/main"/>
+    </p:ext>
+  </p:extLst>
 </p:presentation>
 </file>
 
@@ -2740,9 +2745,19 @@
 <p:sldMaster xmlns:a="http://schemas.openxmlformats.org/drawingml/2006/main" xmlns:r="http://schemas.openxmlformats.org/officeDocument/2006/relationships" xmlns:p="http://schemas.openxmlformats.org/presentationml/2006/main">
   <p:cSld>
     <p:bg>
-      <p:bgRef idx="1001">
-        <a:schemeClr val="bg1"/>
-      </p:bgRef>
+      <p:bgPr>
+        <a:blipFill dpi="0" rotWithShape="1">
+          <a:blip r:embed="rId13">
+            <a:alphaModFix amt="50000"/>
+            <a:lum/>
+          </a:blip>
+          <a:srcRect/>
+          <a:stretch>
+            <a:fillRect l="-8000" r="-8000"/>
+          </a:stretch>
+        </a:blipFill>
+        <a:effectLst/>
+      </p:bgPr>
     </p:bg>
     <p:spTree>
       <p:nvGrpSpPr>
@@ -3337,15 +3352,30 @@
             <p:ph type="ctrTitle"/>
           </p:nvPr>
         </p:nvSpPr>
-        <p:spPr/>
-        <p:txBody>
-          <a:bodyPr/>
-          <a:lstStyle/>
-          <a:p>
-            <a:r>
-              <a:rPr lang="fr-FR"/>
-              <a:t>XXX</a:t>
-            </a:r>
+        <p:spPr>
+          <a:xfrm>
+            <a:off x="0" y="1122363"/>
+            <a:ext cx="12192000" cy="2387600"/>
+          </a:xfrm>
+        </p:spPr>
+        <p:txBody>
+          <a:bodyPr>
+            <a:normAutofit fontScale="90000"/>
+          </a:bodyPr>
+          <a:lstStyle/>
+          <a:p>
+            <a:r>
+              <a:rPr lang="fr-FR" b="0" i="0" dirty="0">
+                <a:effectLst/>
+                <a:latin typeface="Times New Roman" panose="02020603050405020304" pitchFamily="18" charset="0"/>
+                <a:cs typeface="Times New Roman" panose="02020603050405020304" pitchFamily="18" charset="0"/>
+              </a:rPr>
+              <a:t>Recherche et récupération automatique des enjeux patrimoniaux en lien avec la gestion forestière</a:t>
+            </a:r>
+            <a:endParaRPr lang="fr-FR" dirty="0">
+              <a:latin typeface="Times New Roman" panose="02020603050405020304" pitchFamily="18" charset="0"/>
+              <a:cs typeface="Times New Roman" panose="02020603050405020304" pitchFamily="18" charset="0"/>
+            </a:endParaRPr>
           </a:p>
         </p:txBody>
       </p:sp>
@@ -3367,13 +3397,126 @@
         </p:nvSpPr>
         <p:spPr/>
         <p:txBody>
-          <a:bodyPr/>
-          <a:lstStyle/>
-          <a:p>
-            <a:endParaRPr lang="fr-FR"/>
-          </a:p>
-        </p:txBody>
-      </p:sp>
+          <a:bodyPr>
+            <a:normAutofit fontScale="77500" lnSpcReduction="20000"/>
+          </a:bodyPr>
+          <a:lstStyle/>
+          <a:p>
+            <a:r>
+              <a:rPr lang="fr-FR" dirty="0">
+                <a:latin typeface="Times New Roman" panose="02020603050405020304" pitchFamily="18" charset="0"/>
+                <a:cs typeface="Times New Roman" panose="02020603050405020304" pitchFamily="18" charset="0"/>
+              </a:rPr>
+              <a:t>Ninon Delattre</a:t>
+            </a:r>
+          </a:p>
+          <a:p>
+            <a:r>
+              <a:rPr lang="fr-FR" dirty="0">
+                <a:latin typeface="Times New Roman" panose="02020603050405020304" pitchFamily="18" charset="0"/>
+                <a:cs typeface="Times New Roman" panose="02020603050405020304" pitchFamily="18" charset="0"/>
+              </a:rPr>
+              <a:t>Adèle </a:t>
+            </a:r>
+            <a:r>
+              <a:rPr lang="fr-FR" dirty="0" err="1">
+                <a:latin typeface="Times New Roman" panose="02020603050405020304" pitchFamily="18" charset="0"/>
+                <a:cs typeface="Times New Roman" panose="02020603050405020304" pitchFamily="18" charset="0"/>
+              </a:rPr>
+              <a:t>Desaint</a:t>
+            </a:r>
+            <a:endParaRPr lang="fr-FR" dirty="0">
+              <a:latin typeface="Times New Roman" panose="02020603050405020304" pitchFamily="18" charset="0"/>
+              <a:cs typeface="Times New Roman" panose="02020603050405020304" pitchFamily="18" charset="0"/>
+            </a:endParaRPr>
+          </a:p>
+          <a:p>
+            <a:r>
+              <a:rPr lang="fr-FR" dirty="0">
+                <a:latin typeface="Times New Roman" panose="02020603050405020304" pitchFamily="18" charset="0"/>
+                <a:cs typeface="Times New Roman" panose="02020603050405020304" pitchFamily="18" charset="0"/>
+              </a:rPr>
+              <a:t>Sylvain </a:t>
+            </a:r>
+            <a:r>
+              <a:rPr lang="fr-FR" dirty="0" err="1">
+                <a:latin typeface="Times New Roman" panose="02020603050405020304" pitchFamily="18" charset="0"/>
+                <a:cs typeface="Times New Roman" panose="02020603050405020304" pitchFamily="18" charset="0"/>
+              </a:rPr>
+              <a:t>Giraudo</a:t>
+            </a:r>
+            <a:endParaRPr lang="fr-FR" dirty="0">
+              <a:latin typeface="Times New Roman" panose="02020603050405020304" pitchFamily="18" charset="0"/>
+              <a:cs typeface="Times New Roman" panose="02020603050405020304" pitchFamily="18" charset="0"/>
+            </a:endParaRPr>
+          </a:p>
+          <a:p>
+            <a:r>
+              <a:rPr lang="fr-FR" dirty="0">
+                <a:latin typeface="Times New Roman" panose="02020603050405020304" pitchFamily="18" charset="0"/>
+                <a:cs typeface="Times New Roman" panose="02020603050405020304" pitchFamily="18" charset="0"/>
+              </a:rPr>
+              <a:t>Cyril Guillaumant</a:t>
+            </a:r>
+          </a:p>
+          <a:p>
+            <a:r>
+              <a:rPr lang="fr-FR" dirty="0">
+                <a:latin typeface="Times New Roman" panose="02020603050405020304" pitchFamily="18" charset="0"/>
+                <a:cs typeface="Times New Roman" panose="02020603050405020304" pitchFamily="18" charset="0"/>
+              </a:rPr>
+              <a:t>Louise </a:t>
+            </a:r>
+            <a:r>
+              <a:rPr lang="fr-FR" dirty="0" err="1">
+                <a:latin typeface="Times New Roman" panose="02020603050405020304" pitchFamily="18" charset="0"/>
+                <a:cs typeface="Times New Roman" panose="02020603050405020304" pitchFamily="18" charset="0"/>
+              </a:rPr>
+              <a:t>Rovel</a:t>
+            </a:r>
+            <a:endParaRPr lang="fr-FR" dirty="0">
+              <a:latin typeface="Times New Roman" panose="02020603050405020304" pitchFamily="18" charset="0"/>
+              <a:cs typeface="Times New Roman" panose="02020603050405020304" pitchFamily="18" charset="0"/>
+            </a:endParaRPr>
+          </a:p>
+        </p:txBody>
+      </p:sp>
+      <p:pic>
+        <p:nvPicPr>
+          <p:cNvPr id="5" name="Image 4" descr="Une image contenant Police, Graphique, graphisme, logo&#10;&#10;Description générée automatiquement">
+            <a:extLst>
+              <a:ext uri="{FF2B5EF4-FFF2-40B4-BE49-F238E27FC236}">
+                <a16:creationId xmlns:a16="http://schemas.microsoft.com/office/drawing/2014/main" id="{A09BB77C-8E99-ABBD-2B99-3F38423CFD3C}"/>
+              </a:ext>
+            </a:extLst>
+          </p:cNvPr>
+          <p:cNvPicPr>
+            <a:picLocks noChangeAspect="1"/>
+          </p:cNvPicPr>
+          <p:nvPr/>
+        </p:nvPicPr>
+        <p:blipFill>
+          <a:blip r:embed="rId2">
+            <a:extLst>
+              <a:ext uri="{28A0092B-C50C-407E-A947-70E740481C1C}">
+                <a14:useLocalDpi xmlns:a14="http://schemas.microsoft.com/office/drawing/2010/main" val="0"/>
+              </a:ext>
+            </a:extLst>
+          </a:blip>
+          <a:stretch>
+            <a:fillRect/>
+          </a:stretch>
+        </p:blipFill>
+        <p:spPr>
+          <a:xfrm>
+            <a:off x="4319587" y="5471432"/>
+            <a:ext cx="3552825" cy="1009650"/>
+          </a:xfrm>
+          <a:prstGeom prst="rect">
+            <a:avLst/>
+          </a:prstGeom>
+        </p:spPr>
+      </p:pic>
     </p:spTree>
     <p:extLst>
       <p:ext uri="{BB962C8B-B14F-4D97-AF65-F5344CB8AC3E}">
